--- a/ties4911-task05-YanrenQu.pptx
+++ b/ties4911-task05-YanrenQu.pptx
@@ -4708,7 +4708,7 @@
         </p:nvSpPr>
         <p:spPr>
           <a:xfrm>
-            <a:off x="838200" y="365125"/>
+            <a:off x="838200" y="381750"/>
             <a:ext cx="10515600" cy="1325563"/>
           </a:xfrm>
         </p:spPr>
@@ -4746,7 +4746,7 @@
         </p:nvSpPr>
         <p:spPr>
           <a:xfrm>
-            <a:off x="1324502" y="2228087"/>
+            <a:off x="1275071" y="2242575"/>
             <a:ext cx="9542996" cy="3948876"/>
           </a:xfrm>
           <a:prstGeom prst="rect">
@@ -4756,6 +4756,30 @@
         <p:txBody>
           <a:bodyPr/>
           <a:lstStyle/>
+          <a:p>
+            <a:pPr marL="742950" indent="-742950" defTabSz="822960">
+              <a:spcAft>
+                <a:spcPts val="600"/>
+              </a:spcAft>
+              <a:buAutoNum type="arabicPeriod"/>
+            </a:pPr>
+            <a:r>
+              <a:rPr lang="en-US" altLang="zh-CN" sz="3600" dirty="0"/>
+              <a:t>Face Recognition </a:t>
+            </a:r>
+          </a:p>
+          <a:p>
+            <a:pPr marL="742950" indent="-742950" defTabSz="822960">
+              <a:spcAft>
+                <a:spcPts val="600"/>
+              </a:spcAft>
+              <a:buAutoNum type="arabicPeriod"/>
+            </a:pPr>
+            <a:r>
+              <a:rPr lang="en-US" altLang="zh-CN" sz="3600" dirty="0"/>
+              <a:t>AR</a:t>
+            </a:r>
+          </a:p>
           <a:p>
             <a:pPr marL="742950" indent="-742950" defTabSz="822960">
               <a:spcAft>
@@ -7873,7 +7897,7 @@
         <p:spPr>
           <a:xfrm>
             <a:off x="9410256" y="5470949"/>
-            <a:ext cx="1367548" cy="461665"/>
+            <a:ext cx="1313996" cy="461665"/>
           </a:xfrm>
           <a:prstGeom prst="rect">
             <a:avLst/>
@@ -7993,7 +8017,7 @@
         </p:blipFill>
         <p:spPr>
           <a:xfrm>
-            <a:off x="8223631" y="2733574"/>
+            <a:off x="8153691" y="2733573"/>
             <a:ext cx="3468993" cy="2319889"/>
           </a:xfrm>
           <a:prstGeom prst="rect">

--- a/ties4911-task05-YanrenQu.pptx
+++ b/ties4911-task05-YanrenQu.pptx
@@ -272,7 +272,7 @@
           <a:p>
             <a:fld id="{83B9429A-B113-43DA-B97D-80749B2023C3}" type="datetimeFigureOut">
               <a:rPr lang="zh-CN" altLang="en-US" smtClean="0"/>
-              <a:t>2024/3/7</a:t>
+              <a:t>2024/3/8</a:t>
             </a:fld>
             <a:endParaRPr lang="zh-CN" altLang="en-US"/>
           </a:p>
@@ -472,7 +472,7 @@
           <a:p>
             <a:fld id="{83B9429A-B113-43DA-B97D-80749B2023C3}" type="datetimeFigureOut">
               <a:rPr lang="zh-CN" altLang="en-US" smtClean="0"/>
-              <a:t>2024/3/7</a:t>
+              <a:t>2024/3/8</a:t>
             </a:fld>
             <a:endParaRPr lang="zh-CN" altLang="en-US"/>
           </a:p>
@@ -682,7 +682,7 @@
           <a:p>
             <a:fld id="{83B9429A-B113-43DA-B97D-80749B2023C3}" type="datetimeFigureOut">
               <a:rPr lang="zh-CN" altLang="en-US" smtClean="0"/>
-              <a:t>2024/3/7</a:t>
+              <a:t>2024/3/8</a:t>
             </a:fld>
             <a:endParaRPr lang="zh-CN" altLang="en-US"/>
           </a:p>
@@ -882,7 +882,7 @@
           <a:p>
             <a:fld id="{83B9429A-B113-43DA-B97D-80749B2023C3}" type="datetimeFigureOut">
               <a:rPr lang="zh-CN" altLang="en-US" smtClean="0"/>
-              <a:t>2024/3/7</a:t>
+              <a:t>2024/3/8</a:t>
             </a:fld>
             <a:endParaRPr lang="zh-CN" altLang="en-US"/>
           </a:p>
@@ -1158,7 +1158,7 @@
           <a:p>
             <a:fld id="{83B9429A-B113-43DA-B97D-80749B2023C3}" type="datetimeFigureOut">
               <a:rPr lang="zh-CN" altLang="en-US" smtClean="0"/>
-              <a:t>2024/3/7</a:t>
+              <a:t>2024/3/8</a:t>
             </a:fld>
             <a:endParaRPr lang="zh-CN" altLang="en-US"/>
           </a:p>
@@ -1426,7 +1426,7 @@
           <a:p>
             <a:fld id="{83B9429A-B113-43DA-B97D-80749B2023C3}" type="datetimeFigureOut">
               <a:rPr lang="zh-CN" altLang="en-US" smtClean="0"/>
-              <a:t>2024/3/7</a:t>
+              <a:t>2024/3/8</a:t>
             </a:fld>
             <a:endParaRPr lang="zh-CN" altLang="en-US"/>
           </a:p>
@@ -1841,7 +1841,7 @@
           <a:p>
             <a:fld id="{83B9429A-B113-43DA-B97D-80749B2023C3}" type="datetimeFigureOut">
               <a:rPr lang="zh-CN" altLang="en-US" smtClean="0"/>
-              <a:t>2024/3/7</a:t>
+              <a:t>2024/3/8</a:t>
             </a:fld>
             <a:endParaRPr lang="zh-CN" altLang="en-US"/>
           </a:p>
@@ -1983,7 +1983,7 @@
           <a:p>
             <a:fld id="{83B9429A-B113-43DA-B97D-80749B2023C3}" type="datetimeFigureOut">
               <a:rPr lang="zh-CN" altLang="en-US" smtClean="0"/>
-              <a:t>2024/3/7</a:t>
+              <a:t>2024/3/8</a:t>
             </a:fld>
             <a:endParaRPr lang="zh-CN" altLang="en-US"/>
           </a:p>
@@ -2096,7 +2096,7 @@
           <a:p>
             <a:fld id="{83B9429A-B113-43DA-B97D-80749B2023C3}" type="datetimeFigureOut">
               <a:rPr lang="zh-CN" altLang="en-US" smtClean="0"/>
-              <a:t>2024/3/7</a:t>
+              <a:t>2024/3/8</a:t>
             </a:fld>
             <a:endParaRPr lang="zh-CN" altLang="en-US"/>
           </a:p>
@@ -2409,7 +2409,7 @@
           <a:p>
             <a:fld id="{83B9429A-B113-43DA-B97D-80749B2023C3}" type="datetimeFigureOut">
               <a:rPr lang="zh-CN" altLang="en-US" smtClean="0"/>
-              <a:t>2024/3/7</a:t>
+              <a:t>2024/3/8</a:t>
             </a:fld>
             <a:endParaRPr lang="zh-CN" altLang="en-US"/>
           </a:p>
@@ -2698,7 +2698,7 @@
           <a:p>
             <a:fld id="{83B9429A-B113-43DA-B97D-80749B2023C3}" type="datetimeFigureOut">
               <a:rPr lang="zh-CN" altLang="en-US" smtClean="0"/>
-              <a:t>2024/3/7</a:t>
+              <a:t>2024/3/8</a:t>
             </a:fld>
             <a:endParaRPr lang="zh-CN" altLang="en-US"/>
           </a:p>
@@ -2941,7 +2941,7 @@
           <a:p>
             <a:fld id="{83B9429A-B113-43DA-B97D-80749B2023C3}" type="datetimeFigureOut">
               <a:rPr lang="zh-CN" altLang="en-US" smtClean="0"/>
-              <a:t>2024/3/7</a:t>
+              <a:t>2024/3/8</a:t>
             </a:fld>
             <a:endParaRPr lang="zh-CN" altLang="en-US"/>
           </a:p>
@@ -4723,10 +4723,10 @@
               <a:t>Task5-3  </a:t>
             </a:r>
             <a:r>
-              <a:rPr lang="en-US" altLang="zh-CN" sz="3600" dirty="0"/>
+              <a:rPr lang="en-US" altLang="zh-CN" sz="4000" b="1" dirty="0"/>
               <a:t>Computer Vision based service</a:t>
             </a:r>
-            <a:endParaRPr lang="zh-CN" altLang="en-US" sz="3600" dirty="0"/>
+            <a:endParaRPr lang="zh-CN" altLang="en-US" sz="4000" b="1" dirty="0"/>
           </a:p>
         </p:txBody>
       </p:sp>
@@ -4746,8 +4746,8 @@
         </p:nvSpPr>
         <p:spPr>
           <a:xfrm>
-            <a:off x="1275071" y="2242575"/>
-            <a:ext cx="9542996" cy="3948876"/>
+            <a:off x="823455" y="1680829"/>
+            <a:ext cx="10530345" cy="4704957"/>
           </a:xfrm>
           <a:prstGeom prst="rect">
             <a:avLst/>
@@ -4756,6 +4756,147 @@
         <p:txBody>
           <a:bodyPr/>
           <a:lstStyle/>
+          <a:p>
+            <a:pPr defTabSz="822960">
+              <a:spcAft>
+                <a:spcPts val="600"/>
+              </a:spcAft>
+            </a:pPr>
+            <a:r>
+              <a:rPr lang="en-US" altLang="zh-CN" sz="2400" b="1" dirty="0"/>
+              <a:t>Agricultural Technology</a:t>
+            </a:r>
+          </a:p>
+          <a:p>
+            <a:pPr defTabSz="822960">
+              <a:spcAft>
+                <a:spcPts val="600"/>
+              </a:spcAft>
+            </a:pPr>
+            <a:r>
+              <a:rPr lang="en-US" altLang="zh-CN" b="1" dirty="0"/>
+              <a:t>1.Crop Monitoring and Disease Detection</a:t>
+            </a:r>
+          </a:p>
+          <a:p>
+            <a:pPr defTabSz="822960">
+              <a:spcAft>
+                <a:spcPts val="600"/>
+              </a:spcAft>
+            </a:pPr>
+            <a:r>
+              <a:rPr lang="en-US" altLang="zh-CN" sz="1600" dirty="0"/>
+              <a:t>Using sensors and cameras, CV technology could capture information such as plant growth, color, and size. Also, At the same time, by analyzing images from various sensors, the health status of crops can be detected to obtain precise disease types and the possibility of infection. (Classification, Segmentation, Object detection)</a:t>
+            </a:r>
+          </a:p>
+          <a:p>
+            <a:pPr defTabSz="822960">
+              <a:spcAft>
+                <a:spcPts val="600"/>
+              </a:spcAft>
+            </a:pPr>
+            <a:r>
+              <a:rPr lang="en-US" altLang="zh-CN" b="1" dirty="0"/>
+              <a:t>2. Smart Agricultural Machinery</a:t>
+            </a:r>
+          </a:p>
+          <a:p>
+            <a:pPr defTabSz="822960">
+              <a:spcAft>
+                <a:spcPts val="600"/>
+              </a:spcAft>
+            </a:pPr>
+            <a:r>
+              <a:rPr lang="en-US" altLang="zh-CN" sz="1600" dirty="0"/>
+              <a:t>Through computer vision and autonomous driving technology, precise planting, precise fertilization, and precise weeding can be achieved. Soil analysis can also be carried out in conjunction with land operations, where soil quality, moisture, nitrogen values and other key parameters can be assessed through images and spectra. This helps farmers adjust irrigation and fertilization according to actual needs and improve land use efficiency. (Classification, Object detection, Deep Reinforcement Learning)</a:t>
+            </a:r>
+          </a:p>
+          <a:p>
+            <a:pPr defTabSz="822960">
+              <a:spcAft>
+                <a:spcPts val="600"/>
+              </a:spcAft>
+            </a:pPr>
+            <a:r>
+              <a:rPr lang="en-US" altLang="zh-CN" b="1" dirty="0"/>
+              <a:t>3. Precision Agriculture</a:t>
+            </a:r>
+          </a:p>
+          <a:p>
+            <a:pPr defTabSz="822960">
+              <a:spcAft>
+                <a:spcPts val="600"/>
+              </a:spcAft>
+            </a:pPr>
+            <a:r>
+              <a:rPr lang="en-US" altLang="zh-CN" sz="1600" dirty="0"/>
+              <a:t>Computer vision technology supports precision agriculture practices, including intelligent agricultural decision-making. By analyzing satellite images of fields, systems can provide farmers with recommendations on optimal planting times, fertilization amounts, irrigation needs. (Classification, Segmentation)</a:t>
+            </a:r>
+          </a:p>
+          <a:p>
+            <a:pPr defTabSz="822960">
+              <a:spcAft>
+                <a:spcPts val="600"/>
+              </a:spcAft>
+            </a:pPr>
+            <a:endParaRPr lang="en-US" altLang="zh-CN" sz="1600" dirty="0"/>
+          </a:p>
+          <a:p>
+            <a:pPr defTabSz="822960">
+              <a:spcAft>
+                <a:spcPts val="600"/>
+              </a:spcAft>
+            </a:pPr>
+            <a:endParaRPr lang="en-US" altLang="zh-CN" sz="1600" dirty="0"/>
+          </a:p>
+          <a:p>
+            <a:pPr defTabSz="822960">
+              <a:spcAft>
+                <a:spcPts val="600"/>
+              </a:spcAft>
+            </a:pPr>
+            <a:endParaRPr lang="en-US" altLang="zh-CN" sz="1600" dirty="0"/>
+          </a:p>
+          <a:p>
+            <a:pPr defTabSz="822960">
+              <a:spcAft>
+                <a:spcPts val="600"/>
+              </a:spcAft>
+            </a:pPr>
+            <a:endParaRPr lang="en-US" altLang="zh-CN" sz="2000" dirty="0"/>
+          </a:p>
+          <a:p>
+            <a:pPr defTabSz="822960">
+              <a:spcAft>
+                <a:spcPts val="600"/>
+              </a:spcAft>
+            </a:pPr>
+            <a:endParaRPr lang="en-US" altLang="zh-CN" sz="2000" dirty="0"/>
+          </a:p>
+          <a:p>
+            <a:pPr defTabSz="822960">
+              <a:spcAft>
+                <a:spcPts val="600"/>
+              </a:spcAft>
+            </a:pPr>
+            <a:endParaRPr lang="en-US" altLang="zh-CN" sz="2400" dirty="0"/>
+          </a:p>
+          <a:p>
+            <a:pPr defTabSz="822960">
+              <a:spcAft>
+                <a:spcPts val="600"/>
+              </a:spcAft>
+            </a:pPr>
+            <a:endParaRPr lang="en-US" altLang="zh-CN" sz="2400" dirty="0"/>
+          </a:p>
+          <a:p>
+            <a:pPr defTabSz="822960">
+              <a:spcAft>
+                <a:spcPts val="600"/>
+              </a:spcAft>
+            </a:pPr>
+            <a:endParaRPr lang="en-US" altLang="zh-CN" sz="2400" dirty="0"/>
+          </a:p>
           <a:p>
             <a:pPr marL="742950" indent="-742950" defTabSz="822960">
               <a:spcAft>
@@ -4763,22 +4904,7 @@
               </a:spcAft>
               <a:buAutoNum type="arabicPeriod"/>
             </a:pPr>
-            <a:r>
-              <a:rPr lang="en-US" altLang="zh-CN" sz="3600" dirty="0"/>
-              <a:t>Face Recognition </a:t>
-            </a:r>
-          </a:p>
-          <a:p>
-            <a:pPr marL="742950" indent="-742950" defTabSz="822960">
-              <a:spcAft>
-                <a:spcPts val="600"/>
-              </a:spcAft>
-              <a:buAutoNum type="arabicPeriod"/>
-            </a:pPr>
-            <a:r>
-              <a:rPr lang="en-US" altLang="zh-CN" sz="3600" dirty="0"/>
-              <a:t>AR</a:t>
-            </a:r>
+            <a:endParaRPr lang="en-US" altLang="zh-CN" sz="2400" dirty="0"/>
           </a:p>
           <a:p>
             <a:pPr marL="742950" indent="-742950" defTabSz="822960">
@@ -4828,6 +4954,14 @@
             <a:endParaRPr lang="en-US" altLang="zh-CN" sz="2400" dirty="0"/>
           </a:p>
           <a:p>
+            <a:pPr defTabSz="822960">
+              <a:spcAft>
+                <a:spcPts val="600"/>
+              </a:spcAft>
+            </a:pPr>
+            <a:endParaRPr lang="en-US" altLang="zh-CN" sz="2400" dirty="0"/>
+          </a:p>
+          <a:p>
             <a:pPr marL="742950" indent="-742950" defTabSz="822960">
               <a:spcAft>
                 <a:spcPts val="600"/>
@@ -4858,22 +4992,10 @@
             <a:endParaRPr lang="en-US" altLang="zh-CN" sz="2400" dirty="0"/>
           </a:p>
           <a:p>
-            <a:pPr marL="742950" indent="-742950" defTabSz="822960">
+            <a:pPr defTabSz="822960">
               <a:spcAft>
                 <a:spcPts val="600"/>
               </a:spcAft>
-              <a:buFontTx/>
-              <a:buAutoNum type="arabicPeriod"/>
-            </a:pPr>
-            <a:endParaRPr lang="en-US" altLang="zh-CN" sz="2400" dirty="0"/>
-          </a:p>
-          <a:p>
-            <a:pPr marL="742950" indent="-742950" defTabSz="822960">
-              <a:spcAft>
-                <a:spcPts val="600"/>
-              </a:spcAft>
-              <a:buFontTx/>
-              <a:buAutoNum type="arabicPeriod"/>
             </a:pPr>
             <a:endParaRPr lang="en-US" altLang="zh-CN" sz="2400" dirty="0"/>
           </a:p>

--- a/ties4911-task05-YanrenQu.pptx
+++ b/ties4911-task05-YanrenQu.pptx
@@ -17,6 +17,8 @@
     <p:sldId id="278" r:id="rId11"/>
     <p:sldId id="287" r:id="rId12"/>
     <p:sldId id="288" r:id="rId13"/>
+    <p:sldId id="289" r:id="rId14"/>
+    <p:sldId id="290" r:id="rId15"/>
   </p:sldIdLst>
   <p:sldSz cx="12192000" cy="6858000"/>
   <p:notesSz cx="6858000" cy="9144000"/>
@@ -4252,7 +4254,7 @@
         </p:blipFill>
         <p:spPr>
           <a:xfrm>
-            <a:off x="8133542" y="2826627"/>
+            <a:off x="8142324" y="2730850"/>
             <a:ext cx="3220258" cy="3229009"/>
           </a:xfrm>
           <a:prstGeom prst="rect">
@@ -4808,7 +4810,7 @@
             </a:pPr>
             <a:r>
               <a:rPr lang="en-US" altLang="zh-CN" sz="1600" dirty="0"/>
-              <a:t>Through computer vision and autonomous driving technology, precise planting, precise fertilization, and precise weeding can be achieved. Soil analysis can also be carried out in conjunction with land operations, where soil quality, moisture, nitrogen values and other key parameters can be assessed through images and spectra. This helps farmers adjust irrigation and fertilization according to actual needs and improve land use efficiency. (Classification, Object detection, Deep Reinforcement Learning)</a:t>
+              <a:t>Through CV and autonomous driving technology, precise planting, precise fertilization, and precise weeding can be achieved. Soil analysis can also be carried out in conjunction with land operations, where soil quality, moisture, nitrogen values and other key parameters can be assessed through images and spectra. This helps farmers adjust irrigation and fertilization according to actual needs and improve land use efficiency. (Classification, Object detection, Deep Reinforcement Learning)</a:t>
             </a:r>
           </a:p>
           <a:p>
@@ -4830,7 +4832,7 @@
             </a:pPr>
             <a:r>
               <a:rPr lang="en-US" altLang="zh-CN" sz="1600" dirty="0"/>
-              <a:t>Computer vision technology supports precision agriculture practices, including intelligent agricultural decision-making. By analyzing satellite images of fields, systems can provide farmers with recommendations on optimal planting times, fertilization amounts, irrigation needs. (Classification, Segmentation)</a:t>
+              <a:t>CV technology supports precision agriculture practices, including intelligent agricultural decision-making. By analyzing satellite images of fields, systems can provide farmers with recommendations on optimal planting times, fertilization amounts, irrigation needs. (Classification, Segmentation)</a:t>
             </a:r>
           </a:p>
           <a:p>
@@ -5005,6 +5007,627 @@
     <p:extLst>
       <p:ext uri="{BB962C8B-B14F-4D97-AF65-F5344CB8AC3E}">
         <p14:creationId xmlns:p14="http://schemas.microsoft.com/office/powerpoint/2010/main" val="2196543560"/>
+      </p:ext>
+    </p:extLst>
+  </p:cSld>
+  <p:clrMapOvr>
+    <a:masterClrMapping/>
+  </p:clrMapOvr>
+</p:sld>
+</file>
+
+<file path=ppt/slides/slide13.xml><?xml version="1.0" encoding="utf-8"?>
+<p:sld xmlns:a="http://schemas.openxmlformats.org/drawingml/2006/main" xmlns:r="http://schemas.openxmlformats.org/officeDocument/2006/relationships" xmlns:p="http://schemas.openxmlformats.org/presentationml/2006/main">
+  <p:cSld>
+    <p:spTree>
+      <p:nvGrpSpPr>
+        <p:cNvPr id="1" name="">
+          <a:extLst>
+            <a:ext uri="{FF2B5EF4-FFF2-40B4-BE49-F238E27FC236}">
+              <a16:creationId xmlns:a16="http://schemas.microsoft.com/office/drawing/2014/main" id="{C1072EF5-203E-8602-C4D7-7ADA4E2DF024}"/>
+            </a:ext>
+          </a:extLst>
+        </p:cNvPr>
+        <p:cNvGrpSpPr/>
+        <p:nvPr/>
+      </p:nvGrpSpPr>
+      <p:grpSpPr>
+        <a:xfrm>
+          <a:off x="0" y="0"/>
+          <a:ext cx="0" cy="0"/>
+          <a:chOff x="0" y="0"/>
+          <a:chExt cx="0" cy="0"/>
+        </a:xfrm>
+      </p:grpSpPr>
+      <p:sp>
+        <p:nvSpPr>
+          <p:cNvPr id="2" name="Title 1">
+            <a:extLst>
+              <a:ext uri="{FF2B5EF4-FFF2-40B4-BE49-F238E27FC236}">
+                <a16:creationId xmlns:a16="http://schemas.microsoft.com/office/drawing/2014/main" id="{9F97960C-1359-8478-F286-34E8194BDD23}"/>
+              </a:ext>
+            </a:extLst>
+          </p:cNvPr>
+          <p:cNvSpPr>
+            <a:spLocks noGrp="1"/>
+          </p:cNvSpPr>
+          <p:nvPr>
+            <p:ph type="title"/>
+          </p:nvPr>
+        </p:nvSpPr>
+        <p:spPr>
+          <a:xfrm>
+            <a:off x="838200" y="381750"/>
+            <a:ext cx="10515600" cy="1325563"/>
+          </a:xfrm>
+        </p:spPr>
+        <p:txBody>
+          <a:bodyPr>
+            <a:normAutofit/>
+          </a:bodyPr>
+          <a:lstStyle/>
+          <a:p>
+            <a:r>
+              <a:rPr lang="en-US" altLang="zh-CN" sz="3100" dirty="0"/>
+              <a:t>Task5-3  </a:t>
+            </a:r>
+            <a:r>
+              <a:rPr lang="en-US" altLang="zh-CN" sz="3100" b="1" dirty="0"/>
+              <a:t>Examples of CV in Agricultural Technology </a:t>
+            </a:r>
+            <a:br>
+              <a:rPr lang="en-US" altLang="zh-CN" sz="4000" b="1" dirty="0"/>
+            </a:br>
+            <a:endParaRPr lang="zh-CN" altLang="en-US" sz="4000" b="1" dirty="0"/>
+          </a:p>
+        </p:txBody>
+      </p:sp>
+      <p:sp>
+        <p:nvSpPr>
+          <p:cNvPr id="3" name="Content Placeholder 2">
+            <a:extLst>
+              <a:ext uri="{FF2B5EF4-FFF2-40B4-BE49-F238E27FC236}">
+                <a16:creationId xmlns:a16="http://schemas.microsoft.com/office/drawing/2014/main" id="{8AF98F0C-2EFE-21D4-9DF9-ABF8C3928FDC}"/>
+              </a:ext>
+            </a:extLst>
+          </p:cNvPr>
+          <p:cNvSpPr>
+            <a:spLocks/>
+          </p:cNvSpPr>
+          <p:nvPr/>
+        </p:nvSpPr>
+        <p:spPr>
+          <a:xfrm>
+            <a:off x="823455" y="1474640"/>
+            <a:ext cx="10530345" cy="4704957"/>
+          </a:xfrm>
+          <a:prstGeom prst="rect">
+            <a:avLst/>
+          </a:prstGeom>
+        </p:spPr>
+        <p:txBody>
+          <a:bodyPr/>
+          <a:lstStyle/>
+          <a:p>
+            <a:pPr defTabSz="822960">
+              <a:spcAft>
+                <a:spcPts val="600"/>
+              </a:spcAft>
+            </a:pPr>
+            <a:r>
+              <a:rPr lang="en-US" altLang="zh-CN" sz="2400" b="1" dirty="0"/>
+              <a:t>Tractor and rear traction equipment</a:t>
+            </a:r>
+          </a:p>
+          <a:p>
+            <a:pPr defTabSz="822960">
+              <a:spcAft>
+                <a:spcPts val="600"/>
+              </a:spcAft>
+            </a:pPr>
+            <a:endParaRPr lang="en-US" altLang="zh-CN" sz="2400" b="1" dirty="0"/>
+          </a:p>
+          <a:p>
+            <a:pPr marL="342900" indent="-342900" defTabSz="822960">
+              <a:spcAft>
+                <a:spcPts val="600"/>
+              </a:spcAft>
+              <a:buAutoNum type="arabicPeriod"/>
+            </a:pPr>
+            <a:r>
+              <a:rPr lang="en-US" altLang="zh-CN" dirty="0"/>
+              <a:t>Weeding machines </a:t>
+            </a:r>
+            <a:r>
+              <a:rPr lang="en-US" altLang="zh-CN" b="1" dirty="0"/>
+              <a:t>detect the location of weeds </a:t>
+            </a:r>
+            <a:r>
+              <a:rPr lang="en-US" altLang="zh-CN" dirty="0"/>
+              <a:t>to reduce the usages of herbicide.(</a:t>
+            </a:r>
+            <a:r>
+              <a:rPr lang="en-US" altLang="zh-CN" b="1" dirty="0"/>
+              <a:t>Object detection</a:t>
+            </a:r>
+            <a:r>
+              <a:rPr lang="en-US" altLang="zh-CN" dirty="0"/>
+              <a:t>)</a:t>
+            </a:r>
+          </a:p>
+          <a:p>
+            <a:pPr defTabSz="822960">
+              <a:spcAft>
+                <a:spcPts val="600"/>
+              </a:spcAft>
+            </a:pPr>
+            <a:r>
+              <a:rPr lang="en-US" altLang="zh-CN" dirty="0"/>
+              <a:t>2. Planters can use spectrum to </a:t>
+            </a:r>
+            <a:r>
+              <a:rPr lang="en-US" altLang="zh-CN" b="1" dirty="0"/>
+              <a:t>monitor the condition of soil </a:t>
+            </a:r>
+            <a:r>
+              <a:rPr lang="en-US" altLang="zh-CN" dirty="0"/>
+              <a:t>like </a:t>
+            </a:r>
+            <a:r>
+              <a:rPr lang="en-US" altLang="zh-CN" sz="1800" dirty="0"/>
+              <a:t>moisture, nitrogen level</a:t>
+            </a:r>
+            <a:r>
+              <a:rPr lang="en-US" altLang="zh-CN" dirty="0"/>
+              <a:t>. (</a:t>
+            </a:r>
+            <a:r>
+              <a:rPr lang="en-US" altLang="zh-CN" b="1" dirty="0"/>
+              <a:t>Classification</a:t>
+            </a:r>
+            <a:r>
+              <a:rPr lang="en-US" altLang="zh-CN" dirty="0"/>
+              <a:t>)</a:t>
+            </a:r>
+          </a:p>
+          <a:p>
+            <a:pPr defTabSz="822960">
+              <a:spcAft>
+                <a:spcPts val="600"/>
+              </a:spcAft>
+            </a:pPr>
+            <a:r>
+              <a:rPr lang="en-US" altLang="zh-CN" dirty="0"/>
+              <a:t>3. Some high-end machines can generate </a:t>
+            </a:r>
+            <a:r>
+              <a:rPr lang="en-US" altLang="zh-CN" b="1" dirty="0"/>
+              <a:t>point clouds of crops and fields</a:t>
+            </a:r>
+            <a:r>
+              <a:rPr lang="en-US" altLang="zh-CN" dirty="0"/>
+              <a:t>, also it could use different bands of light to get several </a:t>
+            </a:r>
+            <a:r>
+              <a:rPr lang="en-US" altLang="zh-CN" b="1" dirty="0"/>
+              <a:t>spectrograms</a:t>
+            </a:r>
+            <a:r>
+              <a:rPr lang="en-US" altLang="zh-CN" dirty="0"/>
+              <a:t> of target. By establishing this simple land model, you can easily analyze the current </a:t>
+            </a:r>
+            <a:r>
+              <a:rPr lang="en-US" altLang="zh-CN" b="1" dirty="0"/>
+              <a:t>crop growth status</a:t>
+            </a:r>
+            <a:r>
+              <a:rPr lang="en-US" altLang="zh-CN" dirty="0"/>
+              <a:t>, health status, </a:t>
+            </a:r>
+            <a:r>
+              <a:rPr lang="en-US" altLang="zh-CN" b="1" dirty="0"/>
+              <a:t>land insect and disease information</a:t>
+            </a:r>
+            <a:r>
+              <a:rPr lang="en-US" altLang="zh-CN" dirty="0"/>
+              <a:t>, </a:t>
+            </a:r>
+            <a:r>
+              <a:rPr lang="en-US" altLang="zh-CN" b="1" dirty="0"/>
+              <a:t>soil nitrogen level and rock conditions</a:t>
+            </a:r>
+            <a:r>
+              <a:rPr lang="en-US" altLang="zh-CN" dirty="0"/>
+              <a:t>. </a:t>
+            </a:r>
+            <a:r>
+              <a:rPr lang="en-US" altLang="zh-CN" b="1" dirty="0"/>
+              <a:t>(3D Convolutional model, classification, segmentation, object detection)</a:t>
+            </a:r>
+          </a:p>
+          <a:p>
+            <a:pPr marL="342900" indent="-342900" defTabSz="822960">
+              <a:spcAft>
+                <a:spcPts val="600"/>
+              </a:spcAft>
+              <a:buAutoNum type="arabicPeriod"/>
+            </a:pPr>
+            <a:endParaRPr lang="en-US" altLang="zh-CN" sz="1600" dirty="0"/>
+          </a:p>
+          <a:p>
+            <a:pPr defTabSz="822960">
+              <a:spcAft>
+                <a:spcPts val="600"/>
+              </a:spcAft>
+            </a:pPr>
+            <a:endParaRPr lang="en-US" altLang="zh-CN" sz="1600" dirty="0"/>
+          </a:p>
+          <a:p>
+            <a:pPr defTabSz="822960">
+              <a:spcAft>
+                <a:spcPts val="600"/>
+              </a:spcAft>
+            </a:pPr>
+            <a:endParaRPr lang="en-US" altLang="zh-CN" sz="1600" dirty="0"/>
+          </a:p>
+          <a:p>
+            <a:pPr defTabSz="822960">
+              <a:spcAft>
+                <a:spcPts val="600"/>
+              </a:spcAft>
+            </a:pPr>
+            <a:endParaRPr lang="en-US" altLang="zh-CN" sz="2000" dirty="0"/>
+          </a:p>
+          <a:p>
+            <a:pPr defTabSz="822960">
+              <a:spcAft>
+                <a:spcPts val="600"/>
+              </a:spcAft>
+            </a:pPr>
+            <a:endParaRPr lang="en-US" altLang="zh-CN" sz="2000" dirty="0"/>
+          </a:p>
+          <a:p>
+            <a:pPr defTabSz="822960">
+              <a:spcAft>
+                <a:spcPts val="600"/>
+              </a:spcAft>
+            </a:pPr>
+            <a:endParaRPr lang="en-US" altLang="zh-CN" sz="2400" dirty="0"/>
+          </a:p>
+          <a:p>
+            <a:pPr defTabSz="822960">
+              <a:spcAft>
+                <a:spcPts val="600"/>
+              </a:spcAft>
+            </a:pPr>
+            <a:endParaRPr lang="en-US" altLang="zh-CN" sz="2400" dirty="0"/>
+          </a:p>
+          <a:p>
+            <a:pPr defTabSz="822960">
+              <a:spcAft>
+                <a:spcPts val="600"/>
+              </a:spcAft>
+            </a:pPr>
+            <a:endParaRPr lang="en-US" altLang="zh-CN" sz="2400" dirty="0"/>
+          </a:p>
+          <a:p>
+            <a:pPr marL="742950" indent="-742950" defTabSz="822960">
+              <a:spcAft>
+                <a:spcPts val="600"/>
+              </a:spcAft>
+              <a:buAutoNum type="arabicPeriod"/>
+            </a:pPr>
+            <a:endParaRPr lang="en-US" altLang="zh-CN" sz="2400" dirty="0"/>
+          </a:p>
+          <a:p>
+            <a:pPr marL="742950" indent="-742950" defTabSz="822960">
+              <a:spcAft>
+                <a:spcPts val="600"/>
+              </a:spcAft>
+              <a:buAutoNum type="arabicPeriod"/>
+            </a:pPr>
+            <a:endParaRPr lang="zh-CN" altLang="en-US" sz="3600" dirty="0"/>
+          </a:p>
+        </p:txBody>
+      </p:sp>
+    </p:spTree>
+    <p:extLst>
+      <p:ext uri="{BB962C8B-B14F-4D97-AF65-F5344CB8AC3E}">
+        <p14:creationId xmlns:p14="http://schemas.microsoft.com/office/powerpoint/2010/main" val="120956996"/>
+      </p:ext>
+    </p:extLst>
+  </p:cSld>
+  <p:clrMapOvr>
+    <a:masterClrMapping/>
+  </p:clrMapOvr>
+</p:sld>
+</file>
+
+<file path=ppt/slides/slide14.xml><?xml version="1.0" encoding="utf-8"?>
+<p:sld xmlns:a="http://schemas.openxmlformats.org/drawingml/2006/main" xmlns:r="http://schemas.openxmlformats.org/officeDocument/2006/relationships" xmlns:p="http://schemas.openxmlformats.org/presentationml/2006/main">
+  <p:cSld>
+    <p:spTree>
+      <p:nvGrpSpPr>
+        <p:cNvPr id="1" name="">
+          <a:extLst>
+            <a:ext uri="{FF2B5EF4-FFF2-40B4-BE49-F238E27FC236}">
+              <a16:creationId xmlns:a16="http://schemas.microsoft.com/office/drawing/2014/main" id="{C1072EF5-203E-8602-C4D7-7ADA4E2DF024}"/>
+            </a:ext>
+          </a:extLst>
+        </p:cNvPr>
+        <p:cNvGrpSpPr/>
+        <p:nvPr/>
+      </p:nvGrpSpPr>
+      <p:grpSpPr>
+        <a:xfrm>
+          <a:off x="0" y="0"/>
+          <a:ext cx="0" cy="0"/>
+          <a:chOff x="0" y="0"/>
+          <a:chExt cx="0" cy="0"/>
+        </a:xfrm>
+      </p:grpSpPr>
+      <p:sp>
+        <p:nvSpPr>
+          <p:cNvPr id="2" name="Title 1">
+            <a:extLst>
+              <a:ext uri="{FF2B5EF4-FFF2-40B4-BE49-F238E27FC236}">
+                <a16:creationId xmlns:a16="http://schemas.microsoft.com/office/drawing/2014/main" id="{9F97960C-1359-8478-F286-34E8194BDD23}"/>
+              </a:ext>
+            </a:extLst>
+          </p:cNvPr>
+          <p:cNvSpPr>
+            <a:spLocks noGrp="1"/>
+          </p:cNvSpPr>
+          <p:nvPr>
+            <p:ph type="title"/>
+          </p:nvPr>
+        </p:nvSpPr>
+        <p:spPr>
+          <a:xfrm>
+            <a:off x="838200" y="381750"/>
+            <a:ext cx="10515600" cy="1325563"/>
+          </a:xfrm>
+        </p:spPr>
+        <p:txBody>
+          <a:bodyPr>
+            <a:normAutofit/>
+          </a:bodyPr>
+          <a:lstStyle/>
+          <a:p>
+            <a:r>
+              <a:rPr lang="en-US" altLang="zh-CN" sz="3100" dirty="0"/>
+              <a:t>Task5-3  </a:t>
+            </a:r>
+            <a:r>
+              <a:rPr lang="en-US" altLang="zh-CN" sz="3100" b="1" dirty="0"/>
+              <a:t>Examples of CV in Agricultural Technology </a:t>
+            </a:r>
+            <a:br>
+              <a:rPr lang="en-US" altLang="zh-CN" sz="4000" b="1" dirty="0"/>
+            </a:br>
+            <a:endParaRPr lang="zh-CN" altLang="en-US" sz="4000" b="1" dirty="0"/>
+          </a:p>
+        </p:txBody>
+      </p:sp>
+      <p:sp>
+        <p:nvSpPr>
+          <p:cNvPr id="3" name="Content Placeholder 2">
+            <a:extLst>
+              <a:ext uri="{FF2B5EF4-FFF2-40B4-BE49-F238E27FC236}">
+                <a16:creationId xmlns:a16="http://schemas.microsoft.com/office/drawing/2014/main" id="{8AF98F0C-2EFE-21D4-9DF9-ABF8C3928FDC}"/>
+              </a:ext>
+            </a:extLst>
+          </p:cNvPr>
+          <p:cNvSpPr>
+            <a:spLocks/>
+          </p:cNvSpPr>
+          <p:nvPr/>
+        </p:nvSpPr>
+        <p:spPr>
+          <a:xfrm>
+            <a:off x="823455" y="1474641"/>
+            <a:ext cx="10530345" cy="4668252"/>
+          </a:xfrm>
+          <a:prstGeom prst="rect">
+            <a:avLst/>
+          </a:prstGeom>
+        </p:spPr>
+        <p:txBody>
+          <a:bodyPr/>
+          <a:lstStyle/>
+          <a:p>
+            <a:pPr defTabSz="822960">
+              <a:spcAft>
+                <a:spcPts val="600"/>
+              </a:spcAft>
+            </a:pPr>
+            <a:r>
+              <a:rPr lang="en-US" altLang="zh-CN" sz="2400" b="1" dirty="0"/>
+              <a:t>Drones</a:t>
+            </a:r>
+          </a:p>
+          <a:p>
+            <a:pPr defTabSz="822960">
+              <a:spcAft>
+                <a:spcPts val="600"/>
+              </a:spcAft>
+            </a:pPr>
+            <a:endParaRPr lang="en-US" altLang="zh-CN" sz="2400" b="1" dirty="0"/>
+          </a:p>
+          <a:p>
+            <a:pPr defTabSz="822960">
+              <a:spcAft>
+                <a:spcPts val="600"/>
+              </a:spcAft>
+            </a:pPr>
+            <a:r>
+              <a:rPr lang="en-US" altLang="zh-CN" sz="1600" dirty="0"/>
+              <a:t>Drones are often used for spraying and monitoring work. By combining GPS location information, these operations can usually be automated.</a:t>
+            </a:r>
+          </a:p>
+          <a:p>
+            <a:pPr defTabSz="822960">
+              <a:spcAft>
+                <a:spcPts val="600"/>
+              </a:spcAft>
+            </a:pPr>
+            <a:r>
+              <a:rPr lang="en-US" altLang="zh-CN" sz="1600" dirty="0"/>
+              <a:t>However, in actual applications, the location information provided by GPS often differs from the actual situation, which will affect the coverage and efficiency of the operation, and often needs to be converted to manual operation.</a:t>
+            </a:r>
+          </a:p>
+          <a:p>
+            <a:pPr defTabSz="822960">
+              <a:spcAft>
+                <a:spcPts val="600"/>
+              </a:spcAft>
+            </a:pPr>
+            <a:endParaRPr lang="en-US" altLang="zh-CN" sz="1600" dirty="0"/>
+          </a:p>
+          <a:p>
+            <a:pPr defTabSz="822960">
+              <a:spcAft>
+                <a:spcPts val="600"/>
+              </a:spcAft>
+            </a:pPr>
+            <a:r>
+              <a:rPr lang="en-US" altLang="zh-CN" sz="1600" dirty="0"/>
+              <a:t>At this time, a detection and </a:t>
+            </a:r>
+            <a:r>
+              <a:rPr lang="en-US" altLang="zh-CN" sz="1600" b="1" dirty="0"/>
+              <a:t>key point detection method based on headlands and ridges</a:t>
+            </a:r>
+            <a:r>
+              <a:rPr lang="en-US" altLang="zh-CN" sz="1600" dirty="0"/>
+              <a:t> can be used, and we can let the drone understand its location. Using the current precise location information, the </a:t>
+            </a:r>
+            <a:r>
+              <a:rPr lang="en-US" altLang="zh-CN" sz="1600" b="1" dirty="0"/>
+              <a:t>coordinates of the working area can be automatically corrected</a:t>
+            </a:r>
+            <a:r>
+              <a:rPr lang="en-US" altLang="zh-CN" sz="1600" dirty="0"/>
+              <a:t>. At the same time, after accessing the </a:t>
+            </a:r>
+            <a:r>
+              <a:rPr lang="en-US" altLang="zh-CN" sz="1600" b="1" dirty="0"/>
+              <a:t>standard location points and picture information, </a:t>
+            </a:r>
+            <a:r>
+              <a:rPr lang="en-US" altLang="zh-CN" sz="1600" dirty="0"/>
+              <a:t>the </a:t>
+            </a:r>
+            <a:r>
+              <a:rPr lang="en-US" altLang="zh-CN" sz="1600" b="1" dirty="0"/>
+              <a:t>landmarks extracted in real time can be used to implement feature matching such as the SIFT algorithm to dynamically analyze the location to adjust the drone's decision-making.</a:t>
+            </a:r>
+          </a:p>
+          <a:p>
+            <a:pPr defTabSz="822960">
+              <a:spcAft>
+                <a:spcPts val="600"/>
+              </a:spcAft>
+            </a:pPr>
+            <a:endParaRPr lang="en-US" altLang="zh-CN" sz="1600" b="1" dirty="0"/>
+          </a:p>
+          <a:p>
+            <a:pPr defTabSz="822960">
+              <a:spcAft>
+                <a:spcPts val="600"/>
+              </a:spcAft>
+            </a:pPr>
+            <a:endParaRPr lang="en-US" altLang="zh-CN" sz="1600" b="1" dirty="0"/>
+          </a:p>
+          <a:p>
+            <a:pPr defTabSz="822960">
+              <a:spcAft>
+                <a:spcPts val="600"/>
+              </a:spcAft>
+            </a:pPr>
+            <a:endParaRPr lang="en-US" altLang="zh-CN" sz="1600" dirty="0"/>
+          </a:p>
+          <a:p>
+            <a:pPr marL="342900" indent="-342900" defTabSz="822960">
+              <a:spcAft>
+                <a:spcPts val="600"/>
+              </a:spcAft>
+              <a:buAutoNum type="arabicPeriod"/>
+            </a:pPr>
+            <a:endParaRPr lang="en-US" altLang="zh-CN" sz="1600" dirty="0"/>
+          </a:p>
+          <a:p>
+            <a:pPr defTabSz="822960">
+              <a:spcAft>
+                <a:spcPts val="600"/>
+              </a:spcAft>
+            </a:pPr>
+            <a:endParaRPr lang="en-US" altLang="zh-CN" sz="1600" dirty="0"/>
+          </a:p>
+          <a:p>
+            <a:pPr defTabSz="822960">
+              <a:spcAft>
+                <a:spcPts val="600"/>
+              </a:spcAft>
+            </a:pPr>
+            <a:endParaRPr lang="en-US" altLang="zh-CN" sz="2000" dirty="0"/>
+          </a:p>
+          <a:p>
+            <a:pPr defTabSz="822960">
+              <a:spcAft>
+                <a:spcPts val="600"/>
+              </a:spcAft>
+            </a:pPr>
+            <a:endParaRPr lang="en-US" altLang="zh-CN" sz="2000" dirty="0"/>
+          </a:p>
+          <a:p>
+            <a:pPr defTabSz="822960">
+              <a:spcAft>
+                <a:spcPts val="600"/>
+              </a:spcAft>
+            </a:pPr>
+            <a:endParaRPr lang="en-US" altLang="zh-CN" sz="2400" dirty="0"/>
+          </a:p>
+          <a:p>
+            <a:pPr defTabSz="822960">
+              <a:spcAft>
+                <a:spcPts val="600"/>
+              </a:spcAft>
+            </a:pPr>
+            <a:endParaRPr lang="en-US" altLang="zh-CN" sz="2400" dirty="0"/>
+          </a:p>
+          <a:p>
+            <a:pPr defTabSz="822960">
+              <a:spcAft>
+                <a:spcPts val="600"/>
+              </a:spcAft>
+            </a:pPr>
+            <a:endParaRPr lang="en-US" altLang="zh-CN" sz="2400" dirty="0"/>
+          </a:p>
+          <a:p>
+            <a:pPr marL="742950" indent="-742950" defTabSz="822960">
+              <a:spcAft>
+                <a:spcPts val="600"/>
+              </a:spcAft>
+              <a:buAutoNum type="arabicPeriod"/>
+            </a:pPr>
+            <a:endParaRPr lang="en-US" altLang="zh-CN" sz="2400" dirty="0"/>
+          </a:p>
+          <a:p>
+            <a:pPr marL="742950" indent="-742950" defTabSz="822960">
+              <a:spcAft>
+                <a:spcPts val="600"/>
+              </a:spcAft>
+              <a:buAutoNum type="arabicPeriod"/>
+            </a:pPr>
+            <a:endParaRPr lang="zh-CN" altLang="en-US" sz="3600" dirty="0"/>
+          </a:p>
+        </p:txBody>
+      </p:sp>
+    </p:spTree>
+    <p:extLst>
+      <p:ext uri="{BB962C8B-B14F-4D97-AF65-F5344CB8AC3E}">
+        <p14:creationId xmlns:p14="http://schemas.microsoft.com/office/powerpoint/2010/main" val="2631375810"/>
       </p:ext>
     </p:extLst>
   </p:cSld>
@@ -5963,8 +6586,8 @@
         </p:nvSpPr>
         <p:spPr>
           <a:xfrm>
-            <a:off x="348566" y="2818768"/>
-            <a:ext cx="5154328" cy="3825745"/>
+            <a:off x="348565" y="2818768"/>
+            <a:ext cx="10089845" cy="3825745"/>
           </a:xfrm>
         </p:spPr>
         <p:txBody>
@@ -5975,8 +6598,13 @@
           <a:p>
             <a:r>
               <a:rPr lang="en-US" sz="1600" dirty="0"/>
-              <a:t>DETR</a:t>
-            </a:r>
+              <a:t>DETR  </a:t>
+            </a:r>
+            <a:r>
+              <a:rPr lang="en-US" altLang="zh-CN" sz="1600" b="1" dirty="0"/>
+              <a:t>AP (average precision) of 42.0 on COCO 2017 validation</a:t>
+            </a:r>
+            <a:endParaRPr lang="en-US" sz="1600" b="1" dirty="0"/>
           </a:p>
           <a:p>
             <a:r>
@@ -5987,13 +6615,21 @@
             </a:r>
             <a:r>
               <a:rPr lang="en-US" sz="1600" dirty="0"/>
-              <a:t> </a:t>
+              <a:t>   </a:t>
             </a:r>
           </a:p>
           <a:p>
             <a:r>
               <a:rPr lang="en-US" sz="1600" dirty="0" err="1"/>
               <a:t>MobileNet_SSD</a:t>
+            </a:r>
+            <a:r>
+              <a:rPr lang="en-US" sz="1600" dirty="0"/>
+              <a:t>  </a:t>
+            </a:r>
+            <a:r>
+              <a:rPr lang="en-US" altLang="zh-CN" sz="1600" b="1" dirty="0"/>
+              <a:t>AP (average precision) of 21.3 on COCO 2017 validation</a:t>
             </a:r>
             <a:endParaRPr lang="en-US" sz="1600" dirty="0"/>
           </a:p>
@@ -6014,6 +6650,11 @@
               <a:rPr lang="en-US" sz="1600" dirty="0"/>
               <a:t>Yolov8</a:t>
             </a:r>
+            <a:r>
+              <a:rPr lang="en-US" altLang="zh-CN" sz="1600" b="1" dirty="0"/>
+              <a:t> AP (average precision) of 37.3 on COCO 2017 validation</a:t>
+            </a:r>
+            <a:endParaRPr lang="en-US" sz="1600" dirty="0"/>
           </a:p>
           <a:p>
             <a:r>
@@ -6028,6 +6669,21 @@
             </a:r>
           </a:p>
           <a:p>
+            <a:pPr marL="0" indent="0">
+              <a:buNone/>
+            </a:pPr>
+            <a:endParaRPr lang="en-US" sz="1600" dirty="0"/>
+          </a:p>
+          <a:p>
+            <a:pPr marL="0" indent="0">
+              <a:buNone/>
+            </a:pPr>
+            <a:r>
+              <a:rPr lang="en-US" sz="1600" dirty="0"/>
+              <a:t>Style transfer</a:t>
+            </a:r>
+          </a:p>
+          <a:p>
             <a:r>
               <a:rPr lang="en-US" sz="1600" dirty="0"/>
               <a:t>VGG19</a:t>
@@ -6040,10 +6696,10 @@
       </p:sp>
       <p:pic>
         <p:nvPicPr>
-          <p:cNvPr id="5" name="Content Placeholder 4">
-            <a:extLst>
-              <a:ext uri="{FF2B5EF4-FFF2-40B4-BE49-F238E27FC236}">
-                <a16:creationId xmlns:a16="http://schemas.microsoft.com/office/drawing/2014/main" id="{DDE32304-4EF0-2D19-B30A-AC1A4510285E}"/>
+          <p:cNvPr id="6" name="Picture 5">
+            <a:extLst>
+              <a:ext uri="{FF2B5EF4-FFF2-40B4-BE49-F238E27FC236}">
+                <a16:creationId xmlns:a16="http://schemas.microsoft.com/office/drawing/2014/main" id="{718C7101-DD0F-B592-6935-25DDA6E4CC2C}"/>
               </a:ext>
             </a:extLst>
           </p:cNvPr>
@@ -6052,131 +6708,50 @@
           </p:cNvPicPr>
           <p:nvPr/>
         </p:nvPicPr>
-        <p:blipFill rotWithShape="1">
+        <p:blipFill>
           <a:blip r:embed="rId5"/>
-          <a:srcRect r="1" b="2547"/>
-          <a:stretch/>
+          <a:stretch>
+            <a:fillRect/>
+          </a:stretch>
         </p:blipFill>
         <p:spPr>
           <a:xfrm>
-            <a:off x="5311702" y="10"/>
-            <a:ext cx="6878775" cy="6857990"/>
-          </a:xfrm>
-          <a:custGeom>
+            <a:off x="5252155" y="456304"/>
+            <a:ext cx="6693324" cy="1694969"/>
+          </a:xfrm>
+          <a:prstGeom prst="rect">
             <a:avLst/>
-            <a:gdLst/>
-            <a:ahLst/>
-            <a:cxnLst/>
-            <a:rect l="l" t="t" r="r" b="b"/>
-            <a:pathLst>
-              <a:path w="6878775" h="6858000">
-                <a:moveTo>
-                  <a:pt x="1102973" y="0"/>
-                </a:moveTo>
-                <a:lnTo>
-                  <a:pt x="1160688" y="0"/>
-                </a:lnTo>
-                <a:lnTo>
-                  <a:pt x="983189" y="331786"/>
-                </a:lnTo>
-                <a:cubicBezTo>
-                  <a:pt x="914866" y="469145"/>
-                  <a:pt x="850355" y="608712"/>
-                  <a:pt x="789261" y="750263"/>
-                </a:cubicBezTo>
-                <a:cubicBezTo>
-                  <a:pt x="774307" y="784928"/>
-                  <a:pt x="759992" y="819849"/>
-                  <a:pt x="745295" y="854514"/>
-                </a:cubicBezTo>
-                <a:cubicBezTo>
-                  <a:pt x="756682" y="845393"/>
-                  <a:pt x="765489" y="833492"/>
-                  <a:pt x="770857" y="819975"/>
-                </a:cubicBezTo>
-                <a:cubicBezTo>
-                  <a:pt x="879943" y="589569"/>
-                  <a:pt x="999605" y="365513"/>
-                  <a:pt x="1131329" y="148742"/>
-                </a:cubicBezTo>
-                <a:lnTo>
-                  <a:pt x="1227589" y="0"/>
-                </a:lnTo>
-                <a:lnTo>
-                  <a:pt x="6878775" y="0"/>
-                </a:lnTo>
-                <a:lnTo>
-                  <a:pt x="6878775" y="6858000"/>
-                </a:lnTo>
-                <a:lnTo>
-                  <a:pt x="713521" y="6858000"/>
-                </a:lnTo>
-                <a:lnTo>
-                  <a:pt x="625642" y="6670527"/>
-                </a:lnTo>
-                <a:cubicBezTo>
-                  <a:pt x="507232" y="6398531"/>
-                  <a:pt x="403083" y="6118381"/>
-                  <a:pt x="312785" y="5830359"/>
-                </a:cubicBezTo>
-                <a:cubicBezTo>
-                  <a:pt x="278149" y="5719759"/>
-                  <a:pt x="248879" y="5607635"/>
-                  <a:pt x="212198" y="5480401"/>
-                </a:cubicBezTo>
-                <a:cubicBezTo>
-                  <a:pt x="212208" y="5491601"/>
-                  <a:pt x="212803" y="5502788"/>
-                  <a:pt x="213988" y="5513923"/>
-                </a:cubicBezTo>
-                <a:cubicBezTo>
-                  <a:pt x="264089" y="5723695"/>
-                  <a:pt x="307290" y="5935370"/>
-                  <a:pt x="365826" y="6142729"/>
-                </a:cubicBezTo>
-                <a:cubicBezTo>
-                  <a:pt x="433152" y="6380817"/>
-                  <a:pt x="510068" y="6614016"/>
-                  <a:pt x="597975" y="6841549"/>
-                </a:cubicBezTo>
-                <a:lnTo>
-                  <a:pt x="604824" y="6858000"/>
-                </a:lnTo>
-                <a:lnTo>
-                  <a:pt x="552056" y="6858000"/>
-                </a:lnTo>
-                <a:lnTo>
-                  <a:pt x="539576" y="6828295"/>
-                </a:lnTo>
-                <a:cubicBezTo>
-                  <a:pt x="380597" y="6414594"/>
-                  <a:pt x="260223" y="5988893"/>
-                  <a:pt x="171555" y="5552906"/>
-                </a:cubicBezTo>
-                <a:cubicBezTo>
-                  <a:pt x="91163" y="5157998"/>
-                  <a:pt x="43746" y="4758899"/>
-                  <a:pt x="12305" y="4357388"/>
-                </a:cubicBezTo>
-                <a:cubicBezTo>
-                  <a:pt x="-14281" y="4013908"/>
-                  <a:pt x="4507" y="3672965"/>
-                  <a:pt x="46684" y="3331516"/>
-                </a:cubicBezTo>
-                <a:cubicBezTo>
-                  <a:pt x="127203" y="2664286"/>
-                  <a:pt x="277819" y="2007265"/>
-                  <a:pt x="496065" y="1371196"/>
-                </a:cubicBezTo>
-                <a:cubicBezTo>
-                  <a:pt x="636273" y="966066"/>
-                  <a:pt x="800445" y="573253"/>
-                  <a:pt x="995723" y="196614"/>
-                </a:cubicBezTo>
-                <a:close/>
-              </a:path>
-            </a:pathLst>
-          </a:custGeom>
+          </a:prstGeom>
+        </p:spPr>
+      </p:pic>
+      <p:pic>
+        <p:nvPicPr>
+          <p:cNvPr id="8" name="Picture 7">
+            <a:extLst>
+              <a:ext uri="{FF2B5EF4-FFF2-40B4-BE49-F238E27FC236}">
+                <a16:creationId xmlns:a16="http://schemas.microsoft.com/office/drawing/2014/main" id="{D862E57A-871E-BE33-EC87-FE3B815BE4CC}"/>
+              </a:ext>
+            </a:extLst>
+          </p:cNvPr>
+          <p:cNvPicPr>
+            <a:picLocks noChangeAspect="1"/>
+          </p:cNvPicPr>
+          <p:nvPr/>
+        </p:nvPicPr>
+        <p:blipFill>
+          <a:blip r:embed="rId6"/>
+          <a:stretch>
+            <a:fillRect/>
+          </a:stretch>
+        </p:blipFill>
+        <p:spPr>
+          <a:xfrm>
+            <a:off x="7902019" y="2487351"/>
+            <a:ext cx="3844504" cy="4034570"/>
+          </a:xfrm>
+          <a:prstGeom prst="rect">
+            <a:avLst/>
+          </a:prstGeom>
         </p:spPr>
       </p:pic>
     </p:spTree>
